--- a/tutorial_material/TS20180920/TS20180920.pptx
+++ b/tutorial_material/TS20180920/TS20180920.pptx
@@ -4028,13 +4028,13 @@
           <a:p>
             <a:r>
               <a:rPr lang="en-US" dirty="0"/>
-              <a:t>7-trapezoidal-rule-integration (optional)</a:t>
+              <a:t>7-trapezoidal-rule (optional)</a:t>
             </a:r>
           </a:p>
           <a:p>
             <a:r>
               <a:rPr lang="en-US" dirty="0"/>
-              <a:t>8-Simpsom-rule (uploaded tonight)</a:t>
+              <a:t>8-Simpsom-rule (to be uploaded tonight)</a:t>
             </a:r>
           </a:p>
           <a:p>
